--- a/Lessons/2022/2022_07_07_rentrez_searching_paper_databases/rentrez_seaching_paper_databases_and_basic_iteration.pptx
+++ b/Lessons/2022/2022_07_07_rentrez_searching_paper_databases/rentrez_seaching_paper_databases_and_basic_iteration.pptx
@@ -6717,9 +6717,6 @@
                     <p:cTn id="3" fill="hold">
                       <p:stCondLst>
                         <p:cond delay="indefinite"/>
-                        <p:cond evt="onBegin" delay="0">
-                          <p:tn val="2"/>
-                        </p:cond>
                       </p:stCondLst>
                       <p:childTnLst>
                         <p:par>
@@ -6729,7 +6726,7 @@
                             </p:stCondLst>
                             <p:childTnLst>
                               <p:par>
-                                <p:cTn id="5" presetID="9" presetClass="entr" presetSubtype="0" fill="hold" nodeType="withEffect">
+                                <p:cTn id="5" presetID="1" presetClass="entr" presetSubtype="0" fill="hold" nodeType="clickEffect">
                                   <p:stCondLst>
                                     <p:cond delay="0"/>
                                   </p:stCondLst>
@@ -6756,30 +6753,36 @@
                                         <p:strVal val="visible"/>
                                       </p:to>
                                     </p:set>
-                                    <p:animEffect transition="in" filter="dissolve">
-                                      <p:cBhvr>
-                                        <p:cTn id="7" dur="500"/>
-                                        <p:tgtEl>
-                                          <p:spTgt spid="16">
-                                            <p:txEl>
-                                              <p:pRg st="2" end="2"/>
-                                            </p:txEl>
-                                          </p:spTgt>
-                                        </p:tgtEl>
-                                      </p:cBhvr>
-                                    </p:animEffect>
                                   </p:childTnLst>
                                 </p:cTn>
                               </p:par>
+                            </p:childTnLst>
+                          </p:cTn>
+                        </p:par>
+                      </p:childTnLst>
+                    </p:cTn>
+                  </p:par>
+                  <p:par>
+                    <p:cTn id="7" fill="hold">
+                      <p:stCondLst>
+                        <p:cond delay="indefinite"/>
+                      </p:stCondLst>
+                      <p:childTnLst>
+                        <p:par>
+                          <p:cTn id="8" fill="hold">
+                            <p:stCondLst>
+                              <p:cond delay="0"/>
+                            </p:stCondLst>
+                            <p:childTnLst>
                               <p:par>
-                                <p:cTn id="8" presetID="9" presetClass="entr" presetSubtype="0" fill="hold" nodeType="withEffect">
+                                <p:cTn id="9" presetID="1" presetClass="entr" presetSubtype="0" fill="hold" nodeType="clickEffect">
                                   <p:stCondLst>
                                     <p:cond delay="0"/>
                                   </p:stCondLst>
                                   <p:childTnLst>
                                     <p:set>
                                       <p:cBhvr>
-                                        <p:cTn id="9" dur="1" fill="hold">
+                                        <p:cTn id="10" dur="1" fill="hold">
                                           <p:stCondLst>
                                             <p:cond delay="0"/>
                                           </p:stCondLst>
@@ -6799,30 +6802,36 @@
                                         <p:strVal val="visible"/>
                                       </p:to>
                                     </p:set>
-                                    <p:animEffect transition="in" filter="dissolve">
-                                      <p:cBhvr>
-                                        <p:cTn id="10" dur="500"/>
-                                        <p:tgtEl>
-                                          <p:spTgt spid="16">
-                                            <p:txEl>
-                                              <p:pRg st="4" end="4"/>
-                                            </p:txEl>
-                                          </p:spTgt>
-                                        </p:tgtEl>
-                                      </p:cBhvr>
-                                    </p:animEffect>
                                   </p:childTnLst>
                                 </p:cTn>
                               </p:par>
+                            </p:childTnLst>
+                          </p:cTn>
+                        </p:par>
+                      </p:childTnLst>
+                    </p:cTn>
+                  </p:par>
+                  <p:par>
+                    <p:cTn id="11" fill="hold">
+                      <p:stCondLst>
+                        <p:cond delay="indefinite"/>
+                      </p:stCondLst>
+                      <p:childTnLst>
+                        <p:par>
+                          <p:cTn id="12" fill="hold">
+                            <p:stCondLst>
+                              <p:cond delay="0"/>
+                            </p:stCondLst>
+                            <p:childTnLst>
                               <p:par>
-                                <p:cTn id="11" presetID="9" presetClass="entr" presetSubtype="0" fill="hold" nodeType="withEffect">
+                                <p:cTn id="13" presetID="1" presetClass="entr" presetSubtype="0" fill="hold" nodeType="clickEffect">
                                   <p:stCondLst>
                                     <p:cond delay="0"/>
                                   </p:stCondLst>
                                   <p:childTnLst>
                                     <p:set>
                                       <p:cBhvr>
-                                        <p:cTn id="12" dur="1" fill="hold">
+                                        <p:cTn id="14" dur="1" fill="hold">
                                           <p:stCondLst>
                                             <p:cond delay="0"/>
                                           </p:stCondLst>
@@ -6842,30 +6851,18 @@
                                         <p:strVal val="visible"/>
                                       </p:to>
                                     </p:set>
-                                    <p:animEffect transition="in" filter="dissolve">
-                                      <p:cBhvr>
-                                        <p:cTn id="13" dur="500"/>
-                                        <p:tgtEl>
-                                          <p:spTgt spid="16">
-                                            <p:txEl>
-                                              <p:pRg st="5" end="5"/>
-                                            </p:txEl>
-                                          </p:spTgt>
-                                        </p:tgtEl>
-                                      </p:cBhvr>
-                                    </p:animEffect>
                                   </p:childTnLst>
                                 </p:cTn>
                               </p:par>
                               <p:par>
-                                <p:cTn id="14" presetID="9" presetClass="entr" presetSubtype="0" fill="hold" nodeType="withEffect">
+                                <p:cTn id="15" presetID="1" presetClass="entr" presetSubtype="0" fill="hold" nodeType="withEffect">
                                   <p:stCondLst>
                                     <p:cond delay="0"/>
                                   </p:stCondLst>
                                   <p:childTnLst>
                                     <p:set>
                                       <p:cBhvr>
-                                        <p:cTn id="15" dur="1" fill="hold">
+                                        <p:cTn id="16" dur="1" fill="hold">
                                           <p:stCondLst>
                                             <p:cond delay="0"/>
                                           </p:stCondLst>
@@ -6885,23 +6882,11 @@
                                         <p:strVal val="visible"/>
                                       </p:to>
                                     </p:set>
-                                    <p:animEffect transition="in" filter="dissolve">
-                                      <p:cBhvr>
-                                        <p:cTn id="16" dur="500"/>
-                                        <p:tgtEl>
-                                          <p:spTgt spid="16">
-                                            <p:txEl>
-                                              <p:pRg st="6" end="6"/>
-                                            </p:txEl>
-                                          </p:spTgt>
-                                        </p:tgtEl>
-                                      </p:cBhvr>
-                                    </p:animEffect>
                                   </p:childTnLst>
                                 </p:cTn>
                               </p:par>
                               <p:par>
-                                <p:cTn id="17" presetID="9" presetClass="entr" presetSubtype="0" fill="hold" nodeType="withEffect">
+                                <p:cTn id="17" presetID="1" presetClass="entr" presetSubtype="0" fill="hold" nodeType="withEffect">
                                   <p:stCondLst>
                                     <p:cond delay="0"/>
                                   </p:stCondLst>
@@ -6928,30 +6913,18 @@
                                         <p:strVal val="visible"/>
                                       </p:to>
                                     </p:set>
-                                    <p:animEffect transition="in" filter="dissolve">
-                                      <p:cBhvr>
-                                        <p:cTn id="19" dur="500"/>
-                                        <p:tgtEl>
-                                          <p:spTgt spid="16">
-                                            <p:txEl>
-                                              <p:pRg st="7" end="7"/>
-                                            </p:txEl>
-                                          </p:spTgt>
-                                        </p:tgtEl>
-                                      </p:cBhvr>
-                                    </p:animEffect>
                                   </p:childTnLst>
                                 </p:cTn>
                               </p:par>
                               <p:par>
-                                <p:cTn id="20" presetID="9" presetClass="entr" presetSubtype="0" fill="hold" nodeType="withEffect">
+                                <p:cTn id="19" presetID="1" presetClass="entr" presetSubtype="0" fill="hold" nodeType="withEffect">
                                   <p:stCondLst>
                                     <p:cond delay="0"/>
                                   </p:stCondLst>
                                   <p:childTnLst>
                                     <p:set>
                                       <p:cBhvr>
-                                        <p:cTn id="21" dur="1" fill="hold">
+                                        <p:cTn id="20" dur="1" fill="hold">
                                           <p:stCondLst>
                                             <p:cond delay="0"/>
                                           </p:stCondLst>
@@ -6971,18 +6944,6 @@
                                         <p:strVal val="visible"/>
                                       </p:to>
                                     </p:set>
-                                    <p:animEffect transition="in" filter="dissolve">
-                                      <p:cBhvr>
-                                        <p:cTn id="22" dur="500"/>
-                                        <p:tgtEl>
-                                          <p:spTgt spid="16">
-                                            <p:txEl>
-                                              <p:pRg st="8" end="8"/>
-                                            </p:txEl>
-                                          </p:spTgt>
-                                        </p:tgtEl>
-                                      </p:cBhvr>
-                                    </p:animEffect>
                                   </p:childTnLst>
                                 </p:cTn>
                               </p:par>
@@ -8159,42 +8120,6 @@
           </a:p>
         </p:txBody>
       </p:sp>
-      <p:pic>
-        <p:nvPicPr>
-          <p:cNvPr id="4" name="Picture 3">
-            <a:extLst>
-              <a:ext uri="{FF2B5EF4-FFF2-40B4-BE49-F238E27FC236}">
-                <a16:creationId xmlns:a16="http://schemas.microsoft.com/office/drawing/2014/main" id="{DB5926A0-FD86-68F3-5C74-0214E096D65D}"/>
-              </a:ext>
-            </a:extLst>
-          </p:cNvPr>
-          <p:cNvPicPr>
-            <a:picLocks noChangeAspect="1"/>
-          </p:cNvPicPr>
-          <p:nvPr/>
-        </p:nvPicPr>
-        <p:blipFill>
-          <a:blip r:embed="rId2">
-            <a:extLst>
-              <a:ext uri="{28A0092B-C50C-407E-A947-70E740481C1C}">
-                <a14:useLocalDpi xmlns:a14="http://schemas.microsoft.com/office/drawing/2010/main" val="0"/>
-              </a:ext>
-            </a:extLst>
-          </a:blip>
-          <a:stretch>
-            <a:fillRect/>
-          </a:stretch>
-        </p:blipFill>
-        <p:spPr>
-          <a:xfrm>
-            <a:off x="10325164" y="0"/>
-            <a:ext cx="1829525" cy="2119199"/>
-          </a:xfrm>
-          <a:prstGeom prst="rect">
-            <a:avLst/>
-          </a:prstGeom>
-        </p:spPr>
-      </p:pic>
     </p:spTree>
     <p:extLst>
       <p:ext uri="{BB962C8B-B14F-4D97-AF65-F5344CB8AC3E}">
@@ -8241,7 +8166,7 @@
                                         <p:tgtEl>
                                           <p:spTgt spid="16">
                                             <p:txEl>
-                                              <p:pRg st="9" end="9"/>
+                                              <p:pRg st="5" end="5"/>
                                             </p:txEl>
                                           </p:spTgt>
                                         </p:tgtEl>
@@ -8259,7 +8184,7 @@
                                         <p:tgtEl>
                                           <p:spTgt spid="16">
                                             <p:txEl>
-                                              <p:pRg st="9" end="9"/>
+                                              <p:pRg st="5" end="5"/>
                                             </p:txEl>
                                           </p:spTgt>
                                         </p:tgtEl>
@@ -8302,7 +8227,7 @@
                                         <p:tgtEl>
                                           <p:spTgt spid="16">
                                             <p:txEl>
-                                              <p:pRg st="10" end="10"/>
+                                              <p:pRg st="6" end="6"/>
                                             </p:txEl>
                                           </p:spTgt>
                                         </p:tgtEl>
@@ -8320,7 +8245,7 @@
                                         <p:tgtEl>
                                           <p:spTgt spid="16">
                                             <p:txEl>
-                                              <p:pRg st="10" end="10"/>
+                                              <p:pRg st="6" end="6"/>
                                             </p:txEl>
                                           </p:spTgt>
                                         </p:tgtEl>
@@ -8363,7 +8288,7 @@
                                         <p:tgtEl>
                                           <p:spTgt spid="16">
                                             <p:txEl>
-                                              <p:pRg st="11" end="11"/>
+                                              <p:pRg st="8" end="8"/>
                                             </p:txEl>
                                           </p:spTgt>
                                         </p:tgtEl>
@@ -8381,7 +8306,7 @@
                                         <p:tgtEl>
                                           <p:spTgt spid="16">
                                             <p:txEl>
-                                              <p:pRg st="11" end="11"/>
+                                              <p:pRg st="8" end="8"/>
                                             </p:txEl>
                                           </p:spTgt>
                                         </p:tgtEl>
@@ -8424,7 +8349,7 @@
                                         <p:tgtEl>
                                           <p:spTgt spid="16">
                                             <p:txEl>
-                                              <p:pRg st="5" end="5"/>
+                                              <p:pRg st="9" end="9"/>
                                             </p:txEl>
                                           </p:spTgt>
                                         </p:tgtEl>
@@ -8442,7 +8367,7 @@
                                         <p:tgtEl>
                                           <p:spTgt spid="16">
                                             <p:txEl>
-                                              <p:pRg st="5" end="5"/>
+                                              <p:pRg st="9" end="9"/>
                                             </p:txEl>
                                           </p:spTgt>
                                         </p:tgtEl>
@@ -8485,7 +8410,7 @@
                                         <p:tgtEl>
                                           <p:spTgt spid="16">
                                             <p:txEl>
-                                              <p:pRg st="6" end="6"/>
+                                              <p:pRg st="10" end="10"/>
                                             </p:txEl>
                                           </p:spTgt>
                                         </p:tgtEl>
@@ -8503,7 +8428,7 @@
                                         <p:tgtEl>
                                           <p:spTgt spid="16">
                                             <p:txEl>
-                                              <p:pRg st="6" end="6"/>
+                                              <p:pRg st="10" end="10"/>
                                             </p:txEl>
                                           </p:spTgt>
                                         </p:tgtEl>
@@ -8546,7 +8471,7 @@
                                         <p:tgtEl>
                                           <p:spTgt spid="16">
                                             <p:txEl>
-                                              <p:pRg st="8" end="8"/>
+                                              <p:pRg st="11" end="11"/>
                                             </p:txEl>
                                           </p:spTgt>
                                         </p:tgtEl>
@@ -8564,7 +8489,7 @@
                                         <p:tgtEl>
                                           <p:spTgt spid="16">
                                             <p:txEl>
-                                              <p:pRg st="8" end="8"/>
+                                              <p:pRg st="11" end="11"/>
                                             </p:txEl>
                                           </p:spTgt>
                                         </p:tgtEl>
@@ -9029,42 +8954,6 @@
           </a:p>
         </p:txBody>
       </p:sp>
-      <p:pic>
-        <p:nvPicPr>
-          <p:cNvPr id="4" name="Picture 3">
-            <a:extLst>
-              <a:ext uri="{FF2B5EF4-FFF2-40B4-BE49-F238E27FC236}">
-                <a16:creationId xmlns:a16="http://schemas.microsoft.com/office/drawing/2014/main" id="{DB5926A0-FD86-68F3-5C74-0214E096D65D}"/>
-              </a:ext>
-            </a:extLst>
-          </p:cNvPr>
-          <p:cNvPicPr>
-            <a:picLocks noChangeAspect="1"/>
-          </p:cNvPicPr>
-          <p:nvPr/>
-        </p:nvPicPr>
-        <p:blipFill>
-          <a:blip r:embed="rId2">
-            <a:extLst>
-              <a:ext uri="{28A0092B-C50C-407E-A947-70E740481C1C}">
-                <a14:useLocalDpi xmlns:a14="http://schemas.microsoft.com/office/drawing/2010/main" val="0"/>
-              </a:ext>
-            </a:extLst>
-          </a:blip>
-          <a:stretch>
-            <a:fillRect/>
-          </a:stretch>
-        </p:blipFill>
-        <p:spPr>
-          <a:xfrm>
-            <a:off x="10325164" y="0"/>
-            <a:ext cx="1829525" cy="2119199"/>
-          </a:xfrm>
-          <a:prstGeom prst="rect">
-            <a:avLst/>
-          </a:prstGeom>
-        </p:spPr>
-      </p:pic>
     </p:spTree>
     <p:extLst>
       <p:ext uri="{BB962C8B-B14F-4D97-AF65-F5344CB8AC3E}">
@@ -9294,6 +9183,67 @@
                                         <p:tgtEl>
                                           <p:spTgt spid="16">
                                             <p:txEl>
+                                              <p:pRg st="7" end="7"/>
+                                            </p:txEl>
+                                          </p:spTgt>
+                                        </p:tgtEl>
+                                        <p:attrNameLst>
+                                          <p:attrName>style.visibility</p:attrName>
+                                        </p:attrNameLst>
+                                      </p:cBhvr>
+                                      <p:to>
+                                        <p:strVal val="visible"/>
+                                      </p:to>
+                                    </p:set>
+                                    <p:animEffect transition="in" filter="fade">
+                                      <p:cBhvr>
+                                        <p:cTn id="22" dur="500"/>
+                                        <p:tgtEl>
+                                          <p:spTgt spid="16">
+                                            <p:txEl>
+                                              <p:pRg st="7" end="7"/>
+                                            </p:txEl>
+                                          </p:spTgt>
+                                        </p:tgtEl>
+                                      </p:cBhvr>
+                                    </p:animEffect>
+                                  </p:childTnLst>
+                                </p:cTn>
+                              </p:par>
+                            </p:childTnLst>
+                          </p:cTn>
+                        </p:par>
+                      </p:childTnLst>
+                    </p:cTn>
+                  </p:par>
+                  <p:par>
+                    <p:cTn id="23" fill="hold">
+                      <p:stCondLst>
+                        <p:cond delay="indefinite"/>
+                      </p:stCondLst>
+                      <p:childTnLst>
+                        <p:par>
+                          <p:cTn id="24" fill="hold">
+                            <p:stCondLst>
+                              <p:cond delay="0"/>
+                            </p:stCondLst>
+                            <p:childTnLst>
+                              <p:par>
+                                <p:cTn id="25" presetID="10" presetClass="entr" presetSubtype="0" fill="hold" nodeType="clickEffect">
+                                  <p:stCondLst>
+                                    <p:cond delay="0"/>
+                                  </p:stCondLst>
+                                  <p:childTnLst>
+                                    <p:set>
+                                      <p:cBhvr>
+                                        <p:cTn id="26" dur="1" fill="hold">
+                                          <p:stCondLst>
+                                            <p:cond delay="0"/>
+                                          </p:stCondLst>
+                                        </p:cTn>
+                                        <p:tgtEl>
+                                          <p:spTgt spid="16">
+                                            <p:txEl>
                                               <p:pRg st="9" end="9"/>
                                             </p:txEl>
                                           </p:spTgt>
@@ -9308,7 +9258,7 @@
                                     </p:set>
                                     <p:animEffect transition="in" filter="fade">
                                       <p:cBhvr>
-                                        <p:cTn id="22" dur="500"/>
+                                        <p:cTn id="27" dur="500"/>
                                         <p:tgtEl>
                                           <p:spTgt spid="16">
                                             <p:txEl>
@@ -9699,6 +9649,11 @@
               <a:rPr lang="en-AU" b="1" dirty="0"/>
               <a:t>)</a:t>
             </a:r>
+          </a:p>
+          <a:p>
+            <a:pPr marL="457200" lvl="1" indent="0">
+              <a:buNone/>
+            </a:pPr>
             <a:endParaRPr lang="en-AU" i="1" dirty="0"/>
           </a:p>
           <a:p>
@@ -9762,42 +9717,6 @@
           </a:p>
         </p:txBody>
       </p:sp>
-      <p:pic>
-        <p:nvPicPr>
-          <p:cNvPr id="4" name="Picture 3">
-            <a:extLst>
-              <a:ext uri="{FF2B5EF4-FFF2-40B4-BE49-F238E27FC236}">
-                <a16:creationId xmlns:a16="http://schemas.microsoft.com/office/drawing/2014/main" id="{DB5926A0-FD86-68F3-5C74-0214E096D65D}"/>
-              </a:ext>
-            </a:extLst>
-          </p:cNvPr>
-          <p:cNvPicPr>
-            <a:picLocks noChangeAspect="1"/>
-          </p:cNvPicPr>
-          <p:nvPr/>
-        </p:nvPicPr>
-        <p:blipFill>
-          <a:blip r:embed="rId2">
-            <a:extLst>
-              <a:ext uri="{28A0092B-C50C-407E-A947-70E740481C1C}">
-                <a14:useLocalDpi xmlns:a14="http://schemas.microsoft.com/office/drawing/2010/main" val="0"/>
-              </a:ext>
-            </a:extLst>
-          </a:blip>
-          <a:stretch>
-            <a:fillRect/>
-          </a:stretch>
-        </p:blipFill>
-        <p:spPr>
-          <a:xfrm>
-            <a:off x="10325164" y="0"/>
-            <a:ext cx="1829525" cy="2119199"/>
-          </a:xfrm>
-          <a:prstGeom prst="rect">
-            <a:avLst/>
-          </a:prstGeom>
-        </p:spPr>
-      </p:pic>
     </p:spTree>
     <p:extLst>
       <p:ext uri="{BB962C8B-B14F-4D97-AF65-F5344CB8AC3E}">
@@ -9808,6 +9727,158 @@
   <p:clrMapOvr>
     <a:masterClrMapping/>
   </p:clrMapOvr>
+  <p:timing>
+    <p:tnLst>
+      <p:par>
+        <p:cTn id="1" dur="indefinite" restart="never" nodeType="tmRoot">
+          <p:childTnLst>
+            <p:seq concurrent="1" nextAc="seek">
+              <p:cTn id="2" dur="indefinite" nodeType="mainSeq">
+                <p:childTnLst>
+                  <p:par>
+                    <p:cTn id="3" fill="hold">
+                      <p:stCondLst>
+                        <p:cond delay="indefinite"/>
+                      </p:stCondLst>
+                      <p:childTnLst>
+                        <p:par>
+                          <p:cTn id="4" fill="hold">
+                            <p:stCondLst>
+                              <p:cond delay="0"/>
+                            </p:stCondLst>
+                            <p:childTnLst>
+                              <p:par>
+                                <p:cTn id="5" presetID="10" presetClass="entr" presetSubtype="0" fill="hold" nodeType="clickEffect">
+                                  <p:stCondLst>
+                                    <p:cond delay="0"/>
+                                  </p:stCondLst>
+                                  <p:childTnLst>
+                                    <p:set>
+                                      <p:cBhvr>
+                                        <p:cTn id="6" dur="1" fill="hold">
+                                          <p:stCondLst>
+                                            <p:cond delay="0"/>
+                                          </p:stCondLst>
+                                        </p:cTn>
+                                        <p:tgtEl>
+                                          <p:spTgt spid="16">
+                                            <p:txEl>
+                                              <p:pRg st="6" end="6"/>
+                                            </p:txEl>
+                                          </p:spTgt>
+                                        </p:tgtEl>
+                                        <p:attrNameLst>
+                                          <p:attrName>style.visibility</p:attrName>
+                                        </p:attrNameLst>
+                                      </p:cBhvr>
+                                      <p:to>
+                                        <p:strVal val="visible"/>
+                                      </p:to>
+                                    </p:set>
+                                    <p:animEffect transition="in" filter="fade">
+                                      <p:cBhvr>
+                                        <p:cTn id="7" dur="500"/>
+                                        <p:tgtEl>
+                                          <p:spTgt spid="16">
+                                            <p:txEl>
+                                              <p:pRg st="6" end="6"/>
+                                            </p:txEl>
+                                          </p:spTgt>
+                                        </p:tgtEl>
+                                      </p:cBhvr>
+                                    </p:animEffect>
+                                  </p:childTnLst>
+                                </p:cTn>
+                              </p:par>
+                            </p:childTnLst>
+                          </p:cTn>
+                        </p:par>
+                      </p:childTnLst>
+                    </p:cTn>
+                  </p:par>
+                  <p:par>
+                    <p:cTn id="8" fill="hold">
+                      <p:stCondLst>
+                        <p:cond delay="indefinite"/>
+                      </p:stCondLst>
+                      <p:childTnLst>
+                        <p:par>
+                          <p:cTn id="9" fill="hold">
+                            <p:stCondLst>
+                              <p:cond delay="0"/>
+                            </p:stCondLst>
+                            <p:childTnLst>
+                              <p:par>
+                                <p:cTn id="10" presetID="10" presetClass="entr" presetSubtype="0" fill="hold" nodeType="clickEffect">
+                                  <p:stCondLst>
+                                    <p:cond delay="0"/>
+                                  </p:stCondLst>
+                                  <p:childTnLst>
+                                    <p:set>
+                                      <p:cBhvr>
+                                        <p:cTn id="11" dur="1" fill="hold">
+                                          <p:stCondLst>
+                                            <p:cond delay="0"/>
+                                          </p:stCondLst>
+                                        </p:cTn>
+                                        <p:tgtEl>
+                                          <p:spTgt spid="16">
+                                            <p:txEl>
+                                              <p:pRg st="8" end="8"/>
+                                            </p:txEl>
+                                          </p:spTgt>
+                                        </p:tgtEl>
+                                        <p:attrNameLst>
+                                          <p:attrName>style.visibility</p:attrName>
+                                        </p:attrNameLst>
+                                      </p:cBhvr>
+                                      <p:to>
+                                        <p:strVal val="visible"/>
+                                      </p:to>
+                                    </p:set>
+                                    <p:animEffect transition="in" filter="fade">
+                                      <p:cBhvr>
+                                        <p:cTn id="12" dur="500"/>
+                                        <p:tgtEl>
+                                          <p:spTgt spid="16">
+                                            <p:txEl>
+                                              <p:pRg st="8" end="8"/>
+                                            </p:txEl>
+                                          </p:spTgt>
+                                        </p:tgtEl>
+                                      </p:cBhvr>
+                                    </p:animEffect>
+                                  </p:childTnLst>
+                                </p:cTn>
+                              </p:par>
+                            </p:childTnLst>
+                          </p:cTn>
+                        </p:par>
+                      </p:childTnLst>
+                    </p:cTn>
+                  </p:par>
+                </p:childTnLst>
+              </p:cTn>
+              <p:prevCondLst>
+                <p:cond evt="onPrev" delay="0">
+                  <p:tgtEl>
+                    <p:sldTgt/>
+                  </p:tgtEl>
+                </p:cond>
+              </p:prevCondLst>
+              <p:nextCondLst>
+                <p:cond evt="onNext" delay="0">
+                  <p:tgtEl>
+                    <p:sldTgt/>
+                  </p:tgtEl>
+                </p:cond>
+              </p:nextCondLst>
+            </p:seq>
+          </p:childTnLst>
+        </p:cTn>
+      </p:par>
+    </p:tnLst>
+  </p:timing>
 </p:sld>
 </file>
 
